--- a/presentation_YulinLei.pptx
+++ b/presentation_YulinLei.pptx
@@ -107,145 +107,6 @@
 </p:presentation>
 </file>
 
-<file path=ppt/charts/chart1.xml><?xml version="1.0" encoding="utf-8"?>
-<c:chartSpace xmlns:c="http://schemas.openxmlformats.org/drawingml/2006/chart" xmlns:a="http://schemas.openxmlformats.org/drawingml/2006/main" xmlns:r="http://schemas.openxmlformats.org/officeDocument/2006/relationships">
-  <c:date1904 val="0"/>
-  <c:lang val="zh-CN"/>
-  <c:roundedCorners val="0"/>
-  <mc:AlternateContent xmlns:mc="http://schemas.openxmlformats.org/markup-compatibility/2006">
-    <mc:Choice xmlns:c14="http://schemas.microsoft.com/office/drawing/2007/8/2/chart" Requires="c14">
-      <c14:style val="118"/>
-    </mc:Choice>
-    <mc:Fallback>
-      <c:style val="18"/>
-    </mc:Fallback>
-  </mc:AlternateContent>
-  <c:chart>
-    <c:autoTitleDeleted val="0"/>
-    <c:plotArea>
-      <c:layout>
-        <c:manualLayout>
-          <c:layoutTarget val="inner"/>
-          <c:xMode val="edge"/>
-          <c:yMode val="edge"/>
-          <c:x val="0.131343394575678"/>
-          <c:y val="0.0925925925925926"/>
-          <c:w val="0.826989938757655"/>
-          <c:h val="0.87962962962963"/>
-        </c:manualLayout>
-      </c:layout>
-      <c:barChart>
-        <c:barDir val="col"/>
-        <c:grouping val="clustered"/>
-        <c:varyColors val="0"/>
-        <c:ser>
-          <c:idx val="0"/>
-          <c:order val="0"/>
-          <c:invertIfNegative val="0"/>
-          <c:cat>
-            <c:strRef>
-              <c:f>工作表1!$A$1:$E$1</c:f>
-              <c:strCache>
-                <c:ptCount val="5"/>
-                <c:pt idx="0">
-                  <c:v>Microsoft</c:v>
-                </c:pt>
-                <c:pt idx="1">
-                  <c:v>Amazon</c:v>
-                </c:pt>
-                <c:pt idx="2">
-                  <c:v>Apple</c:v>
-                </c:pt>
-                <c:pt idx="3">
-                  <c:v>Facebook</c:v>
-                </c:pt>
-                <c:pt idx="4">
-                  <c:v>Google</c:v>
-                </c:pt>
-              </c:strCache>
-            </c:strRef>
-          </c:cat>
-          <c:val>
-            <c:numRef>
-              <c:f>工作表1!$A$2:$E$2</c:f>
-              <c:numCache>
-                <c:formatCode>0.00%</c:formatCode>
-                <c:ptCount val="5"/>
-                <c:pt idx="0">
-                  <c:v>-0.0956</c:v>
-                </c:pt>
-                <c:pt idx="1">
-                  <c:v>0.3911</c:v>
-                </c:pt>
-                <c:pt idx="2">
-                  <c:v>0.1764</c:v>
-                </c:pt>
-                <c:pt idx="3">
-                  <c:v>0.0168</c:v>
-                </c:pt>
-                <c:pt idx="4">
-                  <c:v>-0.0804</c:v>
-                </c:pt>
-              </c:numCache>
-            </c:numRef>
-          </c:val>
-        </c:ser>
-        <c:dLbls>
-          <c:showLegendKey val="0"/>
-          <c:showVal val="0"/>
-          <c:showCatName val="0"/>
-          <c:showSerName val="0"/>
-          <c:showPercent val="0"/>
-          <c:showBubbleSize val="0"/>
-        </c:dLbls>
-        <c:gapWidth val="150"/>
-        <c:axId val="2064066904"/>
-        <c:axId val="2101255848"/>
-      </c:barChart>
-      <c:catAx>
-        <c:axId val="2064066904"/>
-        <c:scaling>
-          <c:orientation val="minMax"/>
-        </c:scaling>
-        <c:delete val="0"/>
-        <c:axPos val="b"/>
-        <c:majorTickMark val="out"/>
-        <c:minorTickMark val="none"/>
-        <c:tickLblPos val="nextTo"/>
-        <c:crossAx val="2101255848"/>
-        <c:crosses val="autoZero"/>
-        <c:auto val="1"/>
-        <c:lblAlgn val="ctr"/>
-        <c:lblOffset val="100"/>
-        <c:noMultiLvlLbl val="0"/>
-      </c:catAx>
-      <c:valAx>
-        <c:axId val="2101255848"/>
-        <c:scaling>
-          <c:orientation val="minMax"/>
-        </c:scaling>
-        <c:delete val="0"/>
-        <c:axPos val="l"/>
-        <c:majorGridlines/>
-        <c:numFmt formatCode="0.00%" sourceLinked="1"/>
-        <c:majorTickMark val="out"/>
-        <c:minorTickMark val="none"/>
-        <c:tickLblPos val="nextTo"/>
-        <c:crossAx val="2064066904"/>
-        <c:crosses val="autoZero"/>
-        <c:crossBetween val="between"/>
-      </c:valAx>
-    </c:plotArea>
-    <c:plotVisOnly val="1"/>
-    <c:dispBlanksAs val="gap"/>
-    <c:showDLblsOverMax val="0"/>
-  </c:chart>
-  <c:externalData r:id="rId1">
-    <c:autoUpdate val="0"/>
-  </c:externalData>
-</c:chartSpace>
-</file>
-
 <file path=ppt/slideLayouts/slideLayout1.xml><?xml version="1.0" encoding="utf-8"?>
 <p:sldLayout xmlns:a="http://schemas.openxmlformats.org/drawingml/2006/main" xmlns:r="http://schemas.openxmlformats.org/officeDocument/2006/relationships" xmlns:p="http://schemas.openxmlformats.org/presentationml/2006/main" type="title" preserve="1">
   <p:cSld name="标题幻灯片">
@@ -427,7 +288,7 @@
           <a:p>
             <a:fld id="{B5340B0F-FFED-C548-9A96-AA21E5D7AC6D}" type="datetimeFigureOut">
               <a:rPr kumimoji="1" lang="zh-CN" altLang="en-US" smtClean="0"/>
-              <a:t>5/4/16</a:t>
+              <a:t>5/5/16</a:t>
             </a:fld>
             <a:endParaRPr kumimoji="1" lang="zh-CN" altLang="en-US"/>
           </a:p>
@@ -597,7 +458,7 @@
           <a:p>
             <a:fld id="{B5340B0F-FFED-C548-9A96-AA21E5D7AC6D}" type="datetimeFigureOut">
               <a:rPr kumimoji="1" lang="zh-CN" altLang="en-US" smtClean="0"/>
-              <a:t>5/4/16</a:t>
+              <a:t>5/5/16</a:t>
             </a:fld>
             <a:endParaRPr kumimoji="1" lang="zh-CN" altLang="en-US"/>
           </a:p>
@@ -777,7 +638,7 @@
           <a:p>
             <a:fld id="{B5340B0F-FFED-C548-9A96-AA21E5D7AC6D}" type="datetimeFigureOut">
               <a:rPr kumimoji="1" lang="zh-CN" altLang="en-US" smtClean="0"/>
-              <a:t>5/4/16</a:t>
+              <a:t>5/5/16</a:t>
             </a:fld>
             <a:endParaRPr kumimoji="1" lang="zh-CN" altLang="en-US"/>
           </a:p>
@@ -947,7 +808,7 @@
           <a:p>
             <a:fld id="{B5340B0F-FFED-C548-9A96-AA21E5D7AC6D}" type="datetimeFigureOut">
               <a:rPr kumimoji="1" lang="zh-CN" altLang="en-US" smtClean="0"/>
-              <a:t>5/4/16</a:t>
+              <a:t>5/5/16</a:t>
             </a:fld>
             <a:endParaRPr kumimoji="1" lang="zh-CN" altLang="en-US"/>
           </a:p>
@@ -1193,7 +1054,7 @@
           <a:p>
             <a:fld id="{B5340B0F-FFED-C548-9A96-AA21E5D7AC6D}" type="datetimeFigureOut">
               <a:rPr kumimoji="1" lang="zh-CN" altLang="en-US" smtClean="0"/>
-              <a:t>5/4/16</a:t>
+              <a:t>5/5/16</a:t>
             </a:fld>
             <a:endParaRPr kumimoji="1" lang="zh-CN" altLang="en-US"/>
           </a:p>
@@ -1481,7 +1342,7 @@
           <a:p>
             <a:fld id="{B5340B0F-FFED-C548-9A96-AA21E5D7AC6D}" type="datetimeFigureOut">
               <a:rPr kumimoji="1" lang="zh-CN" altLang="en-US" smtClean="0"/>
-              <a:t>5/4/16</a:t>
+              <a:t>5/5/16</a:t>
             </a:fld>
             <a:endParaRPr kumimoji="1" lang="zh-CN" altLang="en-US"/>
           </a:p>
@@ -1903,7 +1764,7 @@
           <a:p>
             <a:fld id="{B5340B0F-FFED-C548-9A96-AA21E5D7AC6D}" type="datetimeFigureOut">
               <a:rPr kumimoji="1" lang="zh-CN" altLang="en-US" smtClean="0"/>
-              <a:t>5/4/16</a:t>
+              <a:t>5/5/16</a:t>
             </a:fld>
             <a:endParaRPr kumimoji="1" lang="zh-CN" altLang="en-US"/>
           </a:p>
@@ -2021,7 +1882,7 @@
           <a:p>
             <a:fld id="{B5340B0F-FFED-C548-9A96-AA21E5D7AC6D}" type="datetimeFigureOut">
               <a:rPr kumimoji="1" lang="zh-CN" altLang="en-US" smtClean="0"/>
-              <a:t>5/4/16</a:t>
+              <a:t>5/5/16</a:t>
             </a:fld>
             <a:endParaRPr kumimoji="1" lang="zh-CN" altLang="en-US"/>
           </a:p>
@@ -2116,7 +1977,7 @@
           <a:p>
             <a:fld id="{B5340B0F-FFED-C548-9A96-AA21E5D7AC6D}" type="datetimeFigureOut">
               <a:rPr kumimoji="1" lang="zh-CN" altLang="en-US" smtClean="0"/>
-              <a:t>5/4/16</a:t>
+              <a:t>5/5/16</a:t>
             </a:fld>
             <a:endParaRPr kumimoji="1" lang="zh-CN" altLang="en-US"/>
           </a:p>
@@ -2393,7 +2254,7 @@
           <a:p>
             <a:fld id="{B5340B0F-FFED-C548-9A96-AA21E5D7AC6D}" type="datetimeFigureOut">
               <a:rPr kumimoji="1" lang="zh-CN" altLang="en-US" smtClean="0"/>
-              <a:t>5/4/16</a:t>
+              <a:t>5/5/16</a:t>
             </a:fld>
             <a:endParaRPr kumimoji="1" lang="zh-CN" altLang="en-US"/>
           </a:p>
@@ -2646,7 +2507,7 @@
           <a:p>
             <a:fld id="{B5340B0F-FFED-C548-9A96-AA21E5D7AC6D}" type="datetimeFigureOut">
               <a:rPr kumimoji="1" lang="zh-CN" altLang="en-US" smtClean="0"/>
-              <a:t>5/4/16</a:t>
+              <a:t>5/5/16</a:t>
             </a:fld>
             <a:endParaRPr kumimoji="1" lang="zh-CN" altLang="en-US"/>
           </a:p>
@@ -2859,7 +2720,7 @@
           <a:p>
             <a:fld id="{B5340B0F-FFED-C548-9A96-AA21E5D7AC6D}" type="datetimeFigureOut">
               <a:rPr kumimoji="1" lang="zh-CN" altLang="en-US" smtClean="0"/>
-              <a:t>5/4/16</a:t>
+              <a:t>5/5/16</a:t>
             </a:fld>
             <a:endParaRPr kumimoji="1" lang="zh-CN" altLang="en-US"/>
           </a:p>
@@ -3246,7 +3107,7 @@
         </p:nvSpPr>
         <p:spPr>
           <a:xfrm>
-            <a:off x="614452" y="194718"/>
+            <a:off x="614452" y="556527"/>
             <a:ext cx="7772400" cy="1470025"/>
           </a:xfrm>
         </p:spPr>
@@ -3348,14 +3209,14 @@
           <p:nvPr>
             <p:extLst>
               <p:ext uri="{D42A27DB-BD31-4B8C-83A1-F6EECF244321}">
-                <p14:modId xmlns:p14="http://schemas.microsoft.com/office/powerpoint/2010/main" val="3920801565"/>
+                <p14:modId xmlns:p14="http://schemas.microsoft.com/office/powerpoint/2010/main" val="27915833"/>
               </p:ext>
             </p:extLst>
           </p:nvPr>
         </p:nvGraphicFramePr>
         <p:xfrm>
-          <a:off x="614452" y="2017535"/>
-          <a:ext cx="7701052" cy="741680"/>
+          <a:off x="614452" y="3079600"/>
+          <a:ext cx="8019093" cy="1134281"/>
         </p:xfrm>
         <a:graphic>
           <a:graphicData uri="http://schemas.openxmlformats.org/drawingml/2006/table">
@@ -3364,12 +3225,12 @@
                 <a:tableStyleId>{3C2FFA5D-87B4-456A-9821-1D502468CF0F}</a:tableStyleId>
               </a:tblPr>
               <a:tblGrid>
-                <a:gridCol w="2068019"/>
-                <a:gridCol w="1124499"/>
-                <a:gridCol w="1124499"/>
-                <a:gridCol w="1124499"/>
-                <a:gridCol w="1124499"/>
-                <a:gridCol w="1135037"/>
+                <a:gridCol w="2153425"/>
+                <a:gridCol w="1170939"/>
+                <a:gridCol w="1170939"/>
+                <a:gridCol w="1170939"/>
+                <a:gridCol w="1170939"/>
+                <a:gridCol w="1181912"/>
               </a:tblGrid>
               <a:tr h="370840">
                 <a:tc>
@@ -3377,7 +3238,36 @@
                     <a:bodyPr/>
                     <a:lstStyle/>
                     <a:p>
-                      <a:endParaRPr lang="zh-CN" altLang="en-US" dirty="0"/>
+                      <a:pPr marL="0" marR="0" indent="0" algn="l" defTabSz="457200" rtl="0" eaLnBrk="1" fontAlgn="auto" latinLnBrk="0" hangingPunct="1">
+                        <a:lnSpc>
+                          <a:spcPct val="100000"/>
+                        </a:lnSpc>
+                        <a:spcBef>
+                          <a:spcPts val="0"/>
+                        </a:spcBef>
+                        <a:spcAft>
+                          <a:spcPts val="0"/>
+                        </a:spcAft>
+                        <a:buClrTx/>
+                        <a:buSzTx/>
+                        <a:buFontTx/>
+                        <a:buNone/>
+                        <a:tabLst/>
+                        <a:defRPr/>
+                      </a:pPr>
+                      <a:r>
+                        <a:rPr lang="en-US" altLang="zh-CN" dirty="0" smtClean="0">
+                          <a:solidFill>
+                            <a:srgbClr val="000000"/>
+                          </a:solidFill>
+                        </a:rPr>
+                        <a:t>Annualized Returns</a:t>
+                      </a:r>
+                      <a:endParaRPr lang="zh-CN" altLang="en-US" dirty="0" smtClean="0">
+                        <a:solidFill>
+                          <a:srgbClr val="000000"/>
+                        </a:solidFill>
+                      </a:endParaRPr>
                     </a:p>
                   </a:txBody>
                   <a:tcPr/>
@@ -3498,7 +3388,7 @@
                   <a:tcPr/>
                 </a:tc>
               </a:tr>
-              <a:tr h="370840">
+              <a:tr h="392601">
                 <a:tc>
                   <a:txBody>
                     <a:bodyPr/>
@@ -3507,7 +3397,7 @@
                       <a:pPr algn="ctr"/>
                       <a:r>
                         <a:rPr lang="en-US" altLang="zh-CN" dirty="0" smtClean="0"/>
-                        <a:t>Annualized Returns</a:t>
+                        <a:t>HMM</a:t>
                       </a:r>
                       <a:endParaRPr lang="zh-CN" altLang="en-US" dirty="0"/>
                     </a:p>
@@ -3610,31 +3500,127 @@
                   <a:tcPr/>
                 </a:tc>
               </a:tr>
+              <a:tr h="370840">
+                <a:tc>
+                  <a:txBody>
+                    <a:bodyPr/>
+                    <a:lstStyle/>
+                    <a:p>
+                      <a:pPr algn="ctr"/>
+                      <a:r>
+                        <a:rPr lang="en-US" altLang="zh-CN" dirty="0" smtClean="0"/>
+                        <a:t>Time</a:t>
+                      </a:r>
+                      <a:r>
+                        <a:rPr lang="zh-CN" altLang="en-US" dirty="0" smtClean="0"/>
+                        <a:t> </a:t>
+                      </a:r>
+                      <a:r>
+                        <a:rPr lang="en-US" altLang="zh-CN" dirty="0" smtClean="0"/>
+                        <a:t>Series</a:t>
+                      </a:r>
+                      <a:endParaRPr lang="zh-CN" altLang="en-US" dirty="0"/>
+                    </a:p>
+                  </a:txBody>
+                  <a:tcPr/>
+                </a:tc>
+                <a:tc>
+                  <a:txBody>
+                    <a:bodyPr/>
+                    <a:lstStyle/>
+                    <a:p>
+                      <a:pPr algn="ctr"/>
+                      <a:r>
+                        <a:rPr lang="is-IS" altLang="zh-CN" dirty="0" smtClean="0"/>
+                        <a:t>244.51</a:t>
+                      </a:r>
+                      <a:r>
+                        <a:rPr lang="en-US" altLang="zh-CN" dirty="0" smtClean="0"/>
+                        <a:t>%</a:t>
+                      </a:r>
+                      <a:endParaRPr lang="zh-CN" altLang="en-US" dirty="0"/>
+                    </a:p>
+                  </a:txBody>
+                  <a:tcPr/>
+                </a:tc>
+                <a:tc>
+                  <a:txBody>
+                    <a:bodyPr/>
+                    <a:lstStyle/>
+                    <a:p>
+                      <a:pPr algn="ctr"/>
+                      <a:r>
+                        <a:rPr lang="hr-HR" altLang="zh-CN" dirty="0" smtClean="0"/>
+                        <a:t>-172.16</a:t>
+                      </a:r>
+                      <a:r>
+                        <a:rPr lang="en-US" altLang="zh-CN" dirty="0" smtClean="0"/>
+                        <a:t>%</a:t>
+                      </a:r>
+                      <a:endParaRPr lang="zh-CN" altLang="en-US" dirty="0"/>
+                    </a:p>
+                  </a:txBody>
+                  <a:tcPr/>
+                </a:tc>
+                <a:tc>
+                  <a:txBody>
+                    <a:bodyPr/>
+                    <a:lstStyle/>
+                    <a:p>
+                      <a:pPr algn="ctr"/>
+                      <a:r>
+                        <a:rPr lang="hr-HR" altLang="zh-CN" dirty="0" smtClean="0"/>
+                        <a:t>-1105.74</a:t>
+                      </a:r>
+                      <a:r>
+                        <a:rPr lang="en-US" altLang="zh-CN" dirty="0" smtClean="0"/>
+                        <a:t>%</a:t>
+                      </a:r>
+                      <a:endParaRPr lang="zh-CN" altLang="en-US" dirty="0"/>
+                    </a:p>
+                  </a:txBody>
+                  <a:tcPr/>
+                </a:tc>
+                <a:tc>
+                  <a:txBody>
+                    <a:bodyPr/>
+                    <a:lstStyle/>
+                    <a:p>
+                      <a:pPr algn="ctr"/>
+                      <a:r>
+                        <a:rPr lang="hr-HR" altLang="zh-CN" dirty="0" smtClean="0"/>
+                        <a:t>758.9</a:t>
+                      </a:r>
+                      <a:r>
+                        <a:rPr lang="en-US" altLang="zh-CN" dirty="0" smtClean="0"/>
+                        <a:t>7%</a:t>
+                      </a:r>
+                      <a:endParaRPr lang="zh-CN" altLang="en-US" dirty="0"/>
+                    </a:p>
+                  </a:txBody>
+                  <a:tcPr/>
+                </a:tc>
+                <a:tc>
+                  <a:txBody>
+                    <a:bodyPr/>
+                    <a:lstStyle/>
+                    <a:p>
+                      <a:pPr algn="ctr"/>
+                      <a:r>
+                        <a:rPr lang="nb-NO" altLang="zh-CN" dirty="0" smtClean="0"/>
+                        <a:t>196.78</a:t>
+                      </a:r>
+                      <a:r>
+                        <a:rPr lang="en-US" altLang="zh-CN" dirty="0" smtClean="0"/>
+                        <a:t>%</a:t>
+                      </a:r>
+                      <a:endParaRPr lang="zh-CN" altLang="en-US" dirty="0"/>
+                    </a:p>
+                  </a:txBody>
+                  <a:tcPr/>
+                </a:tc>
+              </a:tr>
             </a:tbl>
-          </a:graphicData>
-        </a:graphic>
-      </p:graphicFrame>
-      <p:graphicFrame>
-        <p:nvGraphicFramePr>
-          <p:cNvPr id="9" name="图表 8"/>
-          <p:cNvGraphicFramePr>
-            <a:graphicFrameLocks/>
-          </p:cNvGraphicFramePr>
-          <p:nvPr>
-            <p:extLst>
-              <p:ext uri="{D42A27DB-BD31-4B8C-83A1-F6EECF244321}">
-                <p14:modId xmlns:p14="http://schemas.microsoft.com/office/powerpoint/2010/main" val="2804927458"/>
-              </p:ext>
-            </p:extLst>
-          </p:nvPr>
-        </p:nvGraphicFramePr>
-        <p:xfrm>
-          <a:off x="2286000" y="3022100"/>
-          <a:ext cx="4572000" cy="3166777"/>
-        </p:xfrm>
-        <a:graphic>
-          <a:graphicData uri="http://schemas.openxmlformats.org/drawingml/2006/chart">
-            <c:chart xmlns:c="http://schemas.openxmlformats.org/drawingml/2006/chart" xmlns:r="http://schemas.openxmlformats.org/officeDocument/2006/relationships" r:id="rId2"/>
           </a:graphicData>
         </a:graphic>
       </p:graphicFrame>

--- a/presentation_YulinLei.pptx
+++ b/presentation_YulinLei.pptx
@@ -6,6 +6,7 @@
   </p:sldMasterIdLst>
   <p:sldIdLst>
     <p:sldId id="256" r:id="rId2"/>
+    <p:sldId id="257" r:id="rId3"/>
   </p:sldIdLst>
   <p:sldSz cx="9144000" cy="6858000" type="screen4x3"/>
   <p:notesSz cx="6858000" cy="9144000"/>
@@ -3120,22 +3121,6 @@
             <a:r>
               <a:rPr kumimoji="1" lang="en-US" altLang="zh-CN" sz="4000" dirty="0" smtClean="0"/>
               <a:t>Evaluation</a:t>
-            </a:r>
-            <a:r>
-              <a:rPr kumimoji="1" lang="zh-CN" altLang="en-US" sz="4000" dirty="0" smtClean="0"/>
-              <a:t> </a:t>
-            </a:r>
-            <a:r>
-              <a:rPr kumimoji="1" lang="en-US" altLang="zh-CN" sz="4000" dirty="0" smtClean="0"/>
-              <a:t>and</a:t>
-            </a:r>
-            <a:r>
-              <a:rPr kumimoji="1" lang="zh-CN" altLang="en-US" sz="4000" dirty="0" smtClean="0"/>
-              <a:t> </a:t>
-            </a:r>
-            <a:r>
-              <a:rPr kumimoji="1" lang="en-US" altLang="zh-CN" sz="4000" dirty="0" smtClean="0"/>
-              <a:t>Discussion</a:t>
             </a:r>
             <a:endParaRPr kumimoji="1" lang="zh-CN" altLang="en-US" sz="4000" dirty="0"/>
           </a:p>
@@ -3644,6 +3629,249 @@
 </p:sld>
 </file>
 
+<file path=ppt/slides/slide2.xml><?xml version="1.0" encoding="utf-8"?>
+<p:sld xmlns:a="http://schemas.openxmlformats.org/drawingml/2006/main" xmlns:r="http://schemas.openxmlformats.org/officeDocument/2006/relationships" xmlns:p="http://schemas.openxmlformats.org/presentationml/2006/main">
+  <p:cSld>
+    <p:spTree>
+      <p:nvGrpSpPr>
+        <p:cNvPr id="1" name=""/>
+        <p:cNvGrpSpPr/>
+        <p:nvPr/>
+      </p:nvGrpSpPr>
+      <p:grpSpPr>
+        <a:xfrm>
+          <a:off x="0" y="0"/>
+          <a:ext cx="0" cy="0"/>
+          <a:chOff x="0" y="0"/>
+          <a:chExt cx="0" cy="0"/>
+        </a:xfrm>
+      </p:grpSpPr>
+      <p:sp>
+        <p:nvSpPr>
+          <p:cNvPr id="3" name="内容占位符 2"/>
+          <p:cNvSpPr>
+            <a:spLocks noGrp="1"/>
+          </p:cNvSpPr>
+          <p:nvPr>
+            <p:ph idx="1"/>
+          </p:nvPr>
+        </p:nvSpPr>
+        <p:spPr>
+          <a:xfrm>
+            <a:off x="457200" y="1467336"/>
+            <a:ext cx="8229600" cy="4525963"/>
+          </a:xfrm>
+        </p:spPr>
+        <p:txBody>
+          <a:bodyPr/>
+          <a:lstStyle/>
+          <a:p>
+            <a:pPr marL="0" indent="0">
+              <a:buNone/>
+            </a:pPr>
+            <a:r>
+              <a:rPr kumimoji="1" lang="en-US" altLang="zh-CN" dirty="0" smtClean="0"/>
+              <a:t>HMM</a:t>
+            </a:r>
+            <a:r>
+              <a:rPr kumimoji="1" lang="en-US" altLang="zh-CN" dirty="0" smtClean="0"/>
+              <a:t>:</a:t>
+            </a:r>
+            <a:r>
+              <a:rPr kumimoji="1" lang="zh-CN" altLang="en-US" dirty="0" smtClean="0"/>
+              <a:t> </a:t>
+            </a:r>
+            <a:endParaRPr kumimoji="1" lang="en-US" altLang="zh-CN" dirty="0" smtClean="0"/>
+          </a:p>
+          <a:p>
+            <a:r>
+              <a:rPr lang="en-US" altLang="zh-CN" sz="2800" dirty="0" smtClean="0"/>
+              <a:t>M</a:t>
+            </a:r>
+            <a:r>
+              <a:rPr lang="en-US" altLang="zh-CN" sz="2800" dirty="0" smtClean="0"/>
+              <a:t>ore variables</a:t>
+            </a:r>
+            <a:r>
+              <a:rPr lang="en-US" altLang="zh-CN" sz="2800" dirty="0" smtClean="0"/>
+              <a:t>:</a:t>
+            </a:r>
+            <a:r>
+              <a:rPr lang="zh-CN" altLang="en-US" sz="2800" dirty="0" smtClean="0"/>
+              <a:t> </a:t>
+            </a:r>
+            <a:r>
+              <a:rPr lang="en-US" altLang="zh-CN" sz="2800" dirty="0" smtClean="0"/>
+              <a:t>open </a:t>
+            </a:r>
+            <a:r>
+              <a:rPr lang="en-US" altLang="zh-CN" sz="2800" dirty="0"/>
+              <a:t>price</a:t>
+            </a:r>
+            <a:r>
+              <a:rPr lang="en-US" altLang="zh-CN" sz="2800" dirty="0" smtClean="0"/>
+              <a:t>,</a:t>
+            </a:r>
+            <a:r>
+              <a:rPr lang="zh-CN" altLang="en-US" sz="2800" dirty="0" smtClean="0"/>
+              <a:t> </a:t>
+            </a:r>
+            <a:r>
+              <a:rPr lang="en-US" altLang="zh-CN" sz="2800" dirty="0" smtClean="0"/>
+              <a:t>closed</a:t>
+            </a:r>
+            <a:r>
+              <a:rPr lang="zh-CN" altLang="en-US" sz="2800" dirty="0" smtClean="0"/>
+              <a:t> </a:t>
+            </a:r>
+            <a:r>
+              <a:rPr lang="en-US" altLang="zh-CN" sz="2800" dirty="0" smtClean="0"/>
+              <a:t>price,</a:t>
+            </a:r>
+            <a:r>
+              <a:rPr lang="en-US" altLang="zh-CN" sz="2800" dirty="0" smtClean="0"/>
+              <a:t> </a:t>
+            </a:r>
+            <a:r>
+              <a:rPr lang="en-US" altLang="zh-CN" sz="2800" dirty="0"/>
+              <a:t>high price, low price and price difference</a:t>
+            </a:r>
+            <a:r>
+              <a:rPr lang="en-US" altLang="zh-CN" sz="2800" dirty="0"/>
+              <a:t> </a:t>
+            </a:r>
+            <a:r>
+              <a:rPr lang="en-US" altLang="zh-CN" sz="2800" dirty="0" smtClean="0"/>
+              <a:t> </a:t>
+            </a:r>
+          </a:p>
+          <a:p>
+            <a:r>
+              <a:rPr lang="en-US" altLang="zh-CN" sz="2800" dirty="0" smtClean="0"/>
+              <a:t>Short</a:t>
+            </a:r>
+            <a:r>
+              <a:rPr lang="zh-CN" altLang="en-US" sz="2800" dirty="0" smtClean="0"/>
+              <a:t> </a:t>
+            </a:r>
+            <a:r>
+              <a:rPr lang="en-US" altLang="zh-CN" sz="2800" dirty="0"/>
+              <a:t>time prediction</a:t>
+            </a:r>
+            <a:r>
+              <a:rPr lang="en-US" altLang="zh-CN" sz="2800" dirty="0"/>
+              <a:t> </a:t>
+            </a:r>
+            <a:endParaRPr lang="en-US" altLang="zh-CN" sz="2800" dirty="0" smtClean="0"/>
+          </a:p>
+          <a:p>
+            <a:pPr marL="0" indent="0">
+              <a:buNone/>
+            </a:pPr>
+            <a:endParaRPr kumimoji="1" lang="en-US" altLang="zh-CN" dirty="0" smtClean="0"/>
+          </a:p>
+          <a:p>
+            <a:pPr marL="0" indent="0">
+              <a:buNone/>
+            </a:pPr>
+            <a:r>
+              <a:rPr kumimoji="1" lang="en-US" altLang="zh-CN" dirty="0" smtClean="0"/>
+              <a:t>Time</a:t>
+            </a:r>
+            <a:r>
+              <a:rPr kumimoji="1" lang="zh-CN" altLang="en-US" dirty="0" smtClean="0"/>
+              <a:t> </a:t>
+            </a:r>
+            <a:r>
+              <a:rPr kumimoji="1" lang="en-US" altLang="zh-CN" dirty="0" smtClean="0"/>
+              <a:t>Series:</a:t>
+            </a:r>
+            <a:r>
+              <a:rPr kumimoji="1" lang="zh-CN" altLang="en-US" dirty="0" smtClean="0"/>
+              <a:t> </a:t>
+            </a:r>
+            <a:endParaRPr kumimoji="1" lang="en-US" altLang="zh-CN" dirty="0" smtClean="0"/>
+          </a:p>
+          <a:p>
+            <a:r>
+              <a:rPr kumimoji="1" lang="en-US" altLang="zh-CN" sz="2800" dirty="0" smtClean="0"/>
+              <a:t>Closed</a:t>
+            </a:r>
+            <a:r>
+              <a:rPr kumimoji="1" lang="zh-CN" altLang="en-US" sz="2800" dirty="0" smtClean="0"/>
+              <a:t> </a:t>
+            </a:r>
+            <a:r>
+              <a:rPr kumimoji="1" lang="en-US" altLang="zh-CN" sz="2800" dirty="0" smtClean="0"/>
+              <a:t>price</a:t>
+            </a:r>
+          </a:p>
+          <a:p>
+            <a:r>
+              <a:rPr lang="en-US" altLang="zh-CN" sz="2800" dirty="0"/>
+              <a:t>Long time prediction</a:t>
+            </a:r>
+            <a:r>
+              <a:rPr lang="en-US" altLang="zh-CN" sz="2800" dirty="0"/>
+              <a:t> </a:t>
+            </a:r>
+            <a:endParaRPr kumimoji="1" lang="en-US" altLang="zh-CN" sz="2800" dirty="0" smtClean="0"/>
+          </a:p>
+          <a:p>
+            <a:endParaRPr kumimoji="1" lang="zh-CN" altLang="en-US" sz="2800" dirty="0"/>
+          </a:p>
+        </p:txBody>
+      </p:sp>
+      <p:sp>
+        <p:nvSpPr>
+          <p:cNvPr id="4" name="标题 1"/>
+          <p:cNvSpPr>
+            <a:spLocks noGrp="1"/>
+          </p:cNvSpPr>
+          <p:nvPr>
+            <p:ph type="title"/>
+          </p:nvPr>
+        </p:nvSpPr>
+        <p:spPr>
+          <a:xfrm>
+            <a:off x="457200" y="211811"/>
+            <a:ext cx="8229600" cy="1143000"/>
+          </a:xfrm>
+        </p:spPr>
+        <p:txBody>
+          <a:bodyPr>
+            <a:normAutofit/>
+          </a:bodyPr>
+          <a:lstStyle/>
+          <a:p>
+            <a:r>
+              <a:rPr kumimoji="1" lang="en-US" altLang="zh-CN" sz="4000" dirty="0" smtClean="0"/>
+              <a:t>Discussion</a:t>
+            </a:r>
+            <a:endParaRPr kumimoji="1" lang="zh-CN" altLang="en-US" sz="4000" dirty="0"/>
+          </a:p>
+        </p:txBody>
+      </p:sp>
+    </p:spTree>
+    <p:extLst>
+      <p:ext uri="{BB962C8B-B14F-4D97-AF65-F5344CB8AC3E}">
+        <p14:creationId xmlns:p14="http://schemas.microsoft.com/office/powerpoint/2010/main" val="3897637900"/>
+      </p:ext>
+    </p:extLst>
+  </p:cSld>
+  <p:clrMapOvr>
+    <a:masterClrMapping/>
+  </p:clrMapOvr>
+  <p:timing>
+    <p:tnLst>
+      <p:par>
+        <p:cTn xmlns:p14="http://schemas.microsoft.com/office/powerpoint/2010/main" id="1" dur="indefinite" restart="never" nodeType="tmRoot"/>
+      </p:par>
+    </p:tnLst>
+  </p:timing>
+</p:sld>
+</file>
+
 <file path=ppt/theme/theme1.xml><?xml version="1.0" encoding="utf-8"?>
 <a:theme xmlns:a="http://schemas.openxmlformats.org/drawingml/2006/main" name="Office 主题">
   <a:themeElements>
